--- a/Victor/DungeonCompany_PrototypePres.pptx
+++ b/Victor/DungeonCompany_PrototypePres.pptx
@@ -136,7 +136,7 @@
           <p:cNvPr id="2" name="Title 1">
             <a:extLst>
               <a:ext uri="{FF2B5EF4-FFF2-40B4-BE49-F238E27FC236}">
-                <a16:creationId xmlns:a16="http://schemas.microsoft.com/office/drawing/2014/main" id="{F133BC7E-E76E-9C9E-3139-63602811EEE5}"/>
+                <a16:creationId xmlns:a16="http://schemas.microsoft.com/office/drawing/2014/main" id="{D82D22B6-48A5-80BC-30F8-091E5E1CA0A6}"/>
               </a:ext>
             </a:extLst>
           </p:cNvPr>
@@ -165,7 +165,7 @@
           <p:cNvPr id="3" name="Date Placeholder 2">
             <a:extLst>
               <a:ext uri="{FF2B5EF4-FFF2-40B4-BE49-F238E27FC236}">
-                <a16:creationId xmlns:a16="http://schemas.microsoft.com/office/drawing/2014/main" id="{E578F97B-19E5-60CF-9A6A-CDEF3A906CD1}"/>
+                <a16:creationId xmlns:a16="http://schemas.microsoft.com/office/drawing/2014/main" id="{8C85D1AC-1AC1-D864-0161-86DDC556CE24}"/>
               </a:ext>
             </a:extLst>
           </p:cNvPr>
@@ -181,7 +181,7 @@
           <a:bodyPr/>
           <a:lstStyle/>
           <a:p>
-            <a:fld id="{0CA96404-35F7-4D79-92FA-280D3D036004}" type="datetimeFigureOut">
+            <a:fld id="{3A600BB8-6D6D-4E1B-A65E-F88C574A95E7}" type="datetimeFigureOut">
               <a:rPr lang="en-DE" smtClean="0"/>
               <a:t>08/05/2024</a:t>
             </a:fld>
@@ -194,7 +194,7 @@
           <p:cNvPr id="4" name="Footer Placeholder 3">
             <a:extLst>
               <a:ext uri="{FF2B5EF4-FFF2-40B4-BE49-F238E27FC236}">
-                <a16:creationId xmlns:a16="http://schemas.microsoft.com/office/drawing/2014/main" id="{9DA13715-1B22-E201-12EC-77D8D53B53BB}"/>
+                <a16:creationId xmlns:a16="http://schemas.microsoft.com/office/drawing/2014/main" id="{EE7A5564-1CC8-C961-44A3-BF3CCD2C70E7}"/>
               </a:ext>
             </a:extLst>
           </p:cNvPr>
@@ -219,7 +219,7 @@
           <p:cNvPr id="5" name="Slide Number Placeholder 4">
             <a:extLst>
               <a:ext uri="{FF2B5EF4-FFF2-40B4-BE49-F238E27FC236}">
-                <a16:creationId xmlns:a16="http://schemas.microsoft.com/office/drawing/2014/main" id="{2F558CE1-5497-D69C-8C2B-AB121E9AE73F}"/>
+                <a16:creationId xmlns:a16="http://schemas.microsoft.com/office/drawing/2014/main" id="{8B70E70A-6678-5B01-790E-D14845214896}"/>
               </a:ext>
             </a:extLst>
           </p:cNvPr>
@@ -235,7 +235,7 @@
           <a:bodyPr/>
           <a:lstStyle/>
           <a:p>
-            <a:fld id="{29239CBF-9D30-4B9B-ADDD-70192351A6AD}" type="slidenum">
+            <a:fld id="{B391B8A0-E2DB-45C3-A7B9-EA76CEE3893F}" type="slidenum">
               <a:rPr lang="en-DE" smtClean="0"/>
               <a:t>‹#›</a:t>
             </a:fld>
@@ -246,7 +246,7 @@
     </p:spTree>
     <p:extLst>
       <p:ext uri="{BB962C8B-B14F-4D97-AF65-F5344CB8AC3E}">
-        <p14:creationId xmlns:p14="http://schemas.microsoft.com/office/powerpoint/2010/main" val="1651767568"/>
+        <p14:creationId xmlns:p14="http://schemas.microsoft.com/office/powerpoint/2010/main" val="385591311"/>
       </p:ext>
     </p:extLst>
   </p:cSld>
@@ -283,7 +283,7 @@
           <p:cNvPr id="2" name="Title Placeholder 1">
             <a:extLst>
               <a:ext uri="{FF2B5EF4-FFF2-40B4-BE49-F238E27FC236}">
-                <a16:creationId xmlns:a16="http://schemas.microsoft.com/office/drawing/2014/main" id="{53BCFA4B-21CF-B356-D14B-31E4ED113B88}"/>
+                <a16:creationId xmlns:a16="http://schemas.microsoft.com/office/drawing/2014/main" id="{EFD73853-37D6-9D66-2588-A2955A3A4BA0}"/>
               </a:ext>
             </a:extLst>
           </p:cNvPr>
@@ -322,7 +322,7 @@
           <p:cNvPr id="3" name="Text Placeholder 2">
             <a:extLst>
               <a:ext uri="{FF2B5EF4-FFF2-40B4-BE49-F238E27FC236}">
-                <a16:creationId xmlns:a16="http://schemas.microsoft.com/office/drawing/2014/main" id="{416FDBA3-82CD-7508-16C5-3ED04C23B4D3}"/>
+                <a16:creationId xmlns:a16="http://schemas.microsoft.com/office/drawing/2014/main" id="{CFB15388-A995-2B61-65CF-24ECE8501723}"/>
               </a:ext>
             </a:extLst>
           </p:cNvPr>
@@ -390,7 +390,7 @@
           <p:cNvPr id="4" name="Date Placeholder 3">
             <a:extLst>
               <a:ext uri="{FF2B5EF4-FFF2-40B4-BE49-F238E27FC236}">
-                <a16:creationId xmlns:a16="http://schemas.microsoft.com/office/drawing/2014/main" id="{C5AE3B58-CA35-307B-E504-1AECA8A5AABF}"/>
+                <a16:creationId xmlns:a16="http://schemas.microsoft.com/office/drawing/2014/main" id="{AA878A15-FD76-D83F-09CD-92C47D5BCF5F}"/>
               </a:ext>
             </a:extLst>
           </p:cNvPr>
@@ -424,7 +424,7 @@
             </a:lvl1pPr>
           </a:lstStyle>
           <a:p>
-            <a:fld id="{0CA96404-35F7-4D79-92FA-280D3D036004}" type="datetimeFigureOut">
+            <a:fld id="{3A600BB8-6D6D-4E1B-A65E-F88C574A95E7}" type="datetimeFigureOut">
               <a:rPr lang="en-DE" smtClean="0"/>
               <a:t>08/05/2024</a:t>
             </a:fld>
@@ -437,7 +437,7 @@
           <p:cNvPr id="5" name="Footer Placeholder 4">
             <a:extLst>
               <a:ext uri="{FF2B5EF4-FFF2-40B4-BE49-F238E27FC236}">
-                <a16:creationId xmlns:a16="http://schemas.microsoft.com/office/drawing/2014/main" id="{D1811DE6-EDE4-77DF-3B6B-0AF641F6FA77}"/>
+                <a16:creationId xmlns:a16="http://schemas.microsoft.com/office/drawing/2014/main" id="{EB8DE7EB-FE7C-3133-04C2-761A1B152DEB}"/>
               </a:ext>
             </a:extLst>
           </p:cNvPr>
@@ -480,7 +480,7 @@
           <p:cNvPr id="6" name="Slide Number Placeholder 5">
             <a:extLst>
               <a:ext uri="{FF2B5EF4-FFF2-40B4-BE49-F238E27FC236}">
-                <a16:creationId xmlns:a16="http://schemas.microsoft.com/office/drawing/2014/main" id="{BFB644EE-4005-4AC0-5836-27EB3ECBB64F}"/>
+                <a16:creationId xmlns:a16="http://schemas.microsoft.com/office/drawing/2014/main" id="{B70AC0F2-BCC6-1938-63B9-15217DA12970}"/>
               </a:ext>
             </a:extLst>
           </p:cNvPr>
@@ -514,7 +514,7 @@
             </a:lvl1pPr>
           </a:lstStyle>
           <a:p>
-            <a:fld id="{29239CBF-9D30-4B9B-ADDD-70192351A6AD}" type="slidenum">
+            <a:fld id="{B391B8A0-E2DB-45C3-A7B9-EA76CEE3893F}" type="slidenum">
               <a:rPr lang="en-DE" smtClean="0"/>
               <a:t>‹#›</a:t>
             </a:fld>
@@ -525,7 +525,7 @@
     </p:spTree>
     <p:extLst>
       <p:ext uri="{BB962C8B-B14F-4D97-AF65-F5344CB8AC3E}">
-        <p14:creationId xmlns:p14="http://schemas.microsoft.com/office/powerpoint/2010/main" val="883049987"/>
+        <p14:creationId xmlns:p14="http://schemas.microsoft.com/office/powerpoint/2010/main" val="1500580591"/>
       </p:ext>
     </p:extLst>
   </p:cSld>
@@ -844,7 +844,7 @@
           <p:cNvPr id="2" name="Title 1" hidden="1">
             <a:extLst>
               <a:ext uri="{FF2B5EF4-FFF2-40B4-BE49-F238E27FC236}">
-                <a16:creationId xmlns:a16="http://schemas.microsoft.com/office/drawing/2014/main" id="{AFA6EBC1-E0C1-AB60-F8E3-99F3F3FE2504}"/>
+                <a16:creationId xmlns:a16="http://schemas.microsoft.com/office/drawing/2014/main" id="{8F20907A-3591-43FE-730E-D2820755D8B8}"/>
               </a:ext>
             </a:extLst>
           </p:cNvPr>
@@ -873,7 +873,7 @@
           <p:cNvPr id="3" name="Picture 2">
             <a:extLst>
               <a:ext uri="{FF2B5EF4-FFF2-40B4-BE49-F238E27FC236}">
-                <a16:creationId xmlns:a16="http://schemas.microsoft.com/office/drawing/2014/main" id="{1DF885DA-ED6B-E30B-73F3-05706DBFCD86}"/>
+                <a16:creationId xmlns:a16="http://schemas.microsoft.com/office/drawing/2014/main" id="{3DE2E393-3C44-6469-B282-694A20CAF9DC}"/>
               </a:ext>
             </a:extLst>
           </p:cNvPr>
@@ -899,7 +899,7 @@
     </p:spTree>
     <p:extLst>
       <p:ext uri="{BB962C8B-B14F-4D97-AF65-F5344CB8AC3E}">
-        <p14:creationId xmlns:p14="http://schemas.microsoft.com/office/powerpoint/2010/main" val="679543528"/>
+        <p14:creationId xmlns:p14="http://schemas.microsoft.com/office/powerpoint/2010/main" val="1245344808"/>
       </p:ext>
     </p:extLst>
   </p:cSld>
@@ -937,7 +937,7 @@
           <p:cNvPr id="2" name="Title 1" hidden="1">
             <a:extLst>
               <a:ext uri="{FF2B5EF4-FFF2-40B4-BE49-F238E27FC236}">
-                <a16:creationId xmlns:a16="http://schemas.microsoft.com/office/drawing/2014/main" id="{DDE75527-B371-62FA-E844-ED23C56543F0}"/>
+                <a16:creationId xmlns:a16="http://schemas.microsoft.com/office/drawing/2014/main" id="{EC03766E-7115-9712-447B-3AFF53875267}"/>
               </a:ext>
             </a:extLst>
           </p:cNvPr>
@@ -967,7 +967,7 @@
           <p:cNvPr id="3" name="Picture 2">
             <a:extLst>
               <a:ext uri="{FF2B5EF4-FFF2-40B4-BE49-F238E27FC236}">
-                <a16:creationId xmlns:a16="http://schemas.microsoft.com/office/drawing/2014/main" id="{D33D3031-53FD-2E5C-18FA-18980CC3C060}"/>
+                <a16:creationId xmlns:a16="http://schemas.microsoft.com/office/drawing/2014/main" id="{19517586-F284-EFFB-33A3-0A4C43F1BDF1}"/>
               </a:ext>
             </a:extLst>
           </p:cNvPr>
@@ -993,7 +993,7 @@
     </p:spTree>
     <p:extLst>
       <p:ext uri="{BB962C8B-B14F-4D97-AF65-F5344CB8AC3E}">
-        <p14:creationId xmlns:p14="http://schemas.microsoft.com/office/powerpoint/2010/main" val="3960293284"/>
+        <p14:creationId xmlns:p14="http://schemas.microsoft.com/office/powerpoint/2010/main" val="447341594"/>
       </p:ext>
     </p:extLst>
   </p:cSld>
@@ -1031,7 +1031,7 @@
           <p:cNvPr id="2" name="Title 1" hidden="1">
             <a:extLst>
               <a:ext uri="{FF2B5EF4-FFF2-40B4-BE49-F238E27FC236}">
-                <a16:creationId xmlns:a16="http://schemas.microsoft.com/office/drawing/2014/main" id="{13118562-B9E6-CE5B-6D0A-77F367EC0494}"/>
+                <a16:creationId xmlns:a16="http://schemas.microsoft.com/office/drawing/2014/main" id="{BA043865-3B27-DC76-5028-5BA4EB103DCF}"/>
               </a:ext>
             </a:extLst>
           </p:cNvPr>
@@ -1056,7 +1056,7 @@
           <p:cNvPr id="3" name="Picture 2">
             <a:extLst>
               <a:ext uri="{FF2B5EF4-FFF2-40B4-BE49-F238E27FC236}">
-                <a16:creationId xmlns:a16="http://schemas.microsoft.com/office/drawing/2014/main" id="{FC81DEEC-E3E3-0BE7-D661-E82E693BF5ED}"/>
+                <a16:creationId xmlns:a16="http://schemas.microsoft.com/office/drawing/2014/main" id="{E857304D-1437-AAE6-FA6A-5A0CBBD4E3C0}"/>
               </a:ext>
             </a:extLst>
           </p:cNvPr>
@@ -1082,7 +1082,7 @@
     </p:spTree>
     <p:extLst>
       <p:ext uri="{BB962C8B-B14F-4D97-AF65-F5344CB8AC3E}">
-        <p14:creationId xmlns:p14="http://schemas.microsoft.com/office/powerpoint/2010/main" val="3481035986"/>
+        <p14:creationId xmlns:p14="http://schemas.microsoft.com/office/powerpoint/2010/main" val="1614078943"/>
       </p:ext>
     </p:extLst>
   </p:cSld>
@@ -1120,7 +1120,7 @@
           <p:cNvPr id="2" name="Title 1" hidden="1">
             <a:extLst>
               <a:ext uri="{FF2B5EF4-FFF2-40B4-BE49-F238E27FC236}">
-                <a16:creationId xmlns:a16="http://schemas.microsoft.com/office/drawing/2014/main" id="{E5A2B3D5-70FB-399F-21EC-B04BC5A740AD}"/>
+                <a16:creationId xmlns:a16="http://schemas.microsoft.com/office/drawing/2014/main" id="{8DB7780B-E44F-FDD4-5F57-70A5DDA8FC33}"/>
               </a:ext>
             </a:extLst>
           </p:cNvPr>
@@ -1150,7 +1150,7 @@
           <p:cNvPr id="3" name="Picture 2">
             <a:extLst>
               <a:ext uri="{FF2B5EF4-FFF2-40B4-BE49-F238E27FC236}">
-                <a16:creationId xmlns:a16="http://schemas.microsoft.com/office/drawing/2014/main" id="{EB65CDC3-A806-AFE3-916F-FA26900CF450}"/>
+                <a16:creationId xmlns:a16="http://schemas.microsoft.com/office/drawing/2014/main" id="{AFFF315A-DB66-995D-E3AE-C150E31E28DE}"/>
               </a:ext>
             </a:extLst>
           </p:cNvPr>
@@ -1176,7 +1176,7 @@
     </p:spTree>
     <p:extLst>
       <p:ext uri="{BB962C8B-B14F-4D97-AF65-F5344CB8AC3E}">
-        <p14:creationId xmlns:p14="http://schemas.microsoft.com/office/powerpoint/2010/main" val="1406019648"/>
+        <p14:creationId xmlns:p14="http://schemas.microsoft.com/office/powerpoint/2010/main" val="810258301"/>
       </p:ext>
     </p:extLst>
   </p:cSld>
@@ -1214,7 +1214,7 @@
           <p:cNvPr id="2" name="Title 1" hidden="1">
             <a:extLst>
               <a:ext uri="{FF2B5EF4-FFF2-40B4-BE49-F238E27FC236}">
-                <a16:creationId xmlns:a16="http://schemas.microsoft.com/office/drawing/2014/main" id="{851075C9-B8FE-DA6D-E74D-8E847EEC8458}"/>
+                <a16:creationId xmlns:a16="http://schemas.microsoft.com/office/drawing/2014/main" id="{BBD65C31-C715-1E27-A1C1-B6F477D517B5}"/>
               </a:ext>
             </a:extLst>
           </p:cNvPr>
@@ -1239,7 +1239,7 @@
           <p:cNvPr id="3" name="Picture 2">
             <a:extLst>
               <a:ext uri="{FF2B5EF4-FFF2-40B4-BE49-F238E27FC236}">
-                <a16:creationId xmlns:a16="http://schemas.microsoft.com/office/drawing/2014/main" id="{A8FAC848-464D-E31C-9ECC-AC466AD1FB4E}"/>
+                <a16:creationId xmlns:a16="http://schemas.microsoft.com/office/drawing/2014/main" id="{01C9ABA8-E2A3-BA22-2DDD-BC94546DFDAB}"/>
               </a:ext>
             </a:extLst>
           </p:cNvPr>
@@ -1265,7 +1265,7 @@
     </p:spTree>
     <p:extLst>
       <p:ext uri="{BB962C8B-B14F-4D97-AF65-F5344CB8AC3E}">
-        <p14:creationId xmlns:p14="http://schemas.microsoft.com/office/powerpoint/2010/main" val="1364816877"/>
+        <p14:creationId xmlns:p14="http://schemas.microsoft.com/office/powerpoint/2010/main" val="434109609"/>
       </p:ext>
     </p:extLst>
   </p:cSld>
@@ -1303,7 +1303,7 @@
           <p:cNvPr id="2" name="Title 1" hidden="1">
             <a:extLst>
               <a:ext uri="{FF2B5EF4-FFF2-40B4-BE49-F238E27FC236}">
-                <a16:creationId xmlns:a16="http://schemas.microsoft.com/office/drawing/2014/main" id="{3BCD5277-C29B-4116-DBA9-B11560078FB8}"/>
+                <a16:creationId xmlns:a16="http://schemas.microsoft.com/office/drawing/2014/main" id="{BAFA08B8-A90E-1C6B-CF1E-F1C898344389}"/>
               </a:ext>
             </a:extLst>
           </p:cNvPr>
@@ -1328,7 +1328,7 @@
           <p:cNvPr id="3" name="Picture 2">
             <a:extLst>
               <a:ext uri="{FF2B5EF4-FFF2-40B4-BE49-F238E27FC236}">
-                <a16:creationId xmlns:a16="http://schemas.microsoft.com/office/drawing/2014/main" id="{C2A5841F-A6C5-D77C-57D6-30685E8FDA7F}"/>
+                <a16:creationId xmlns:a16="http://schemas.microsoft.com/office/drawing/2014/main" id="{480D5F08-2D45-64EE-7AB3-E619CEB7A442}"/>
               </a:ext>
             </a:extLst>
           </p:cNvPr>
@@ -1354,7 +1354,7 @@
     </p:spTree>
     <p:extLst>
       <p:ext uri="{BB962C8B-B14F-4D97-AF65-F5344CB8AC3E}">
-        <p14:creationId xmlns:p14="http://schemas.microsoft.com/office/powerpoint/2010/main" val="3754692310"/>
+        <p14:creationId xmlns:p14="http://schemas.microsoft.com/office/powerpoint/2010/main" val="2373878512"/>
       </p:ext>
     </p:extLst>
   </p:cSld>
@@ -1392,7 +1392,7 @@
           <p:cNvPr id="2" name="Title 1" hidden="1">
             <a:extLst>
               <a:ext uri="{FF2B5EF4-FFF2-40B4-BE49-F238E27FC236}">
-                <a16:creationId xmlns:a16="http://schemas.microsoft.com/office/drawing/2014/main" id="{166EE82A-EB8C-9C7B-E7BD-06127C75A7A3}"/>
+                <a16:creationId xmlns:a16="http://schemas.microsoft.com/office/drawing/2014/main" id="{5876544C-7763-36F9-AF90-B3DE4C126254}"/>
               </a:ext>
             </a:extLst>
           </p:cNvPr>
@@ -1417,7 +1417,7 @@
           <p:cNvPr id="3" name="Picture 2">
             <a:extLst>
               <a:ext uri="{FF2B5EF4-FFF2-40B4-BE49-F238E27FC236}">
-                <a16:creationId xmlns:a16="http://schemas.microsoft.com/office/drawing/2014/main" id="{0707BB26-3224-D876-BA3A-827923DD161E}"/>
+                <a16:creationId xmlns:a16="http://schemas.microsoft.com/office/drawing/2014/main" id="{45EA0BE6-7EC6-774D-EEF4-52192CD9487C}"/>
               </a:ext>
             </a:extLst>
           </p:cNvPr>
@@ -1443,7 +1443,7 @@
     </p:spTree>
     <p:extLst>
       <p:ext uri="{BB962C8B-B14F-4D97-AF65-F5344CB8AC3E}">
-        <p14:creationId xmlns:p14="http://schemas.microsoft.com/office/powerpoint/2010/main" val="559619153"/>
+        <p14:creationId xmlns:p14="http://schemas.microsoft.com/office/powerpoint/2010/main" val="1782841164"/>
       </p:ext>
     </p:extLst>
   </p:cSld>
@@ -1481,7 +1481,7 @@
           <p:cNvPr id="2" name="Title 1" hidden="1">
             <a:extLst>
               <a:ext uri="{FF2B5EF4-FFF2-40B4-BE49-F238E27FC236}">
-                <a16:creationId xmlns:a16="http://schemas.microsoft.com/office/drawing/2014/main" id="{08464DE5-A074-06B9-2AA0-90CB3F5A9B5B}"/>
+                <a16:creationId xmlns:a16="http://schemas.microsoft.com/office/drawing/2014/main" id="{153027D8-197F-D6AA-0FC5-2990DBDF2615}"/>
               </a:ext>
             </a:extLst>
           </p:cNvPr>
@@ -1506,7 +1506,7 @@
           <p:cNvPr id="3" name="Picture 2">
             <a:extLst>
               <a:ext uri="{FF2B5EF4-FFF2-40B4-BE49-F238E27FC236}">
-                <a16:creationId xmlns:a16="http://schemas.microsoft.com/office/drawing/2014/main" id="{67E05D3E-B245-E79A-07DD-8B27867C2A71}"/>
+                <a16:creationId xmlns:a16="http://schemas.microsoft.com/office/drawing/2014/main" id="{83FD6CB3-F11D-AE13-1252-45E3C4DD3A01}"/>
               </a:ext>
             </a:extLst>
           </p:cNvPr>
@@ -1532,7 +1532,7 @@
     </p:spTree>
     <p:extLst>
       <p:ext uri="{BB962C8B-B14F-4D97-AF65-F5344CB8AC3E}">
-        <p14:creationId xmlns:p14="http://schemas.microsoft.com/office/powerpoint/2010/main" val="1258775895"/>
+        <p14:creationId xmlns:p14="http://schemas.microsoft.com/office/powerpoint/2010/main" val="1295671333"/>
       </p:ext>
     </p:extLst>
   </p:cSld>
